--- a/docs/BackendServer.pptx
+++ b/docs/BackendServer.pptx
@@ -4,6 +4,9 @@
   <p:sldMasterIdLst>
     <p:sldMasterId id="2147483648" r:id="rId1"/>
   </p:sldMasterIdLst>
+  <p:notesMasterIdLst>
+    <p:notesMasterId r:id="rId7"/>
+  </p:notesMasterIdLst>
   <p:sldIdLst>
     <p:sldId id="256" r:id="rId2"/>
     <p:sldId id="257" r:id="rId3"/>
@@ -114,6 +117,439 @@
     </p:ext>
   </p:extLst>
 </p:presentation>
+</file>
+
+<file path=ppt/notesMasters/notesMaster1.xml><?xml version="1.0" encoding="utf-8"?>
+<p:notesMaster xmlns:a="http://schemas.openxmlformats.org/drawingml/2006/main" xmlns:r="http://schemas.openxmlformats.org/officeDocument/2006/relationships" xmlns:p="http://schemas.openxmlformats.org/presentationml/2006/main">
+  <p:cSld>
+    <p:bg>
+      <p:bgRef idx="1001">
+        <a:schemeClr val="bg1"/>
+      </p:bgRef>
+    </p:bg>
+    <p:spTree>
+      <p:nvGrpSpPr>
+        <p:cNvPr id="1" name=""/>
+        <p:cNvGrpSpPr/>
+        <p:nvPr/>
+      </p:nvGrpSpPr>
+      <p:grpSpPr>
+        <a:xfrm>
+          <a:off x="0" y="0"/>
+          <a:ext cx="0" cy="0"/>
+          <a:chOff x="0" y="0"/>
+          <a:chExt cx="0" cy="0"/>
+        </a:xfrm>
+      </p:grpSpPr>
+      <p:sp>
+        <p:nvSpPr>
+          <p:cNvPr id="2" name="머리글 개체 틀 1"/>
+          <p:cNvSpPr>
+            <a:spLocks noGrp="1"/>
+          </p:cNvSpPr>
+          <p:nvPr>
+            <p:ph type="hdr" sz="quarter"/>
+          </p:nvPr>
+        </p:nvSpPr>
+        <p:spPr>
+          <a:xfrm>
+            <a:off x="0" y="0"/>
+            <a:ext cx="2971800" cy="458788"/>
+          </a:xfrm>
+          <a:prstGeom prst="rect">
+            <a:avLst/>
+          </a:prstGeom>
+        </p:spPr>
+        <p:txBody>
+          <a:bodyPr vert="horz" lIns="91440" tIns="45720" rIns="91440" bIns="45720" rtlCol="0"/>
+          <a:lstStyle>
+            <a:lvl1pPr algn="l">
+              <a:defRPr sz="1200"/>
+            </a:lvl1pPr>
+          </a:lstStyle>
+          <a:p>
+            <a:endParaRPr lang="ko-KR" altLang="en-US"/>
+          </a:p>
+        </p:txBody>
+      </p:sp>
+      <p:sp>
+        <p:nvSpPr>
+          <p:cNvPr id="3" name="날짜 개체 틀 2"/>
+          <p:cNvSpPr>
+            <a:spLocks noGrp="1"/>
+          </p:cNvSpPr>
+          <p:nvPr>
+            <p:ph type="dt" idx="1"/>
+          </p:nvPr>
+        </p:nvSpPr>
+        <p:spPr>
+          <a:xfrm>
+            <a:off x="3884613" y="0"/>
+            <a:ext cx="2971800" cy="458788"/>
+          </a:xfrm>
+          <a:prstGeom prst="rect">
+            <a:avLst/>
+          </a:prstGeom>
+        </p:spPr>
+        <p:txBody>
+          <a:bodyPr vert="horz" lIns="91440" tIns="45720" rIns="91440" bIns="45720" rtlCol="0"/>
+          <a:lstStyle>
+            <a:lvl1pPr algn="r">
+              <a:defRPr sz="1200"/>
+            </a:lvl1pPr>
+          </a:lstStyle>
+          <a:p>
+            <a:fld id="{09A5CDFF-36F9-47F5-BBA4-F18A53BA5B3E}" type="datetimeFigureOut">
+              <a:rPr lang="ko-KR" altLang="en-US" smtClean="0"/>
+              <a:t>2025-07-17</a:t>
+            </a:fld>
+            <a:endParaRPr lang="ko-KR" altLang="en-US"/>
+          </a:p>
+        </p:txBody>
+      </p:sp>
+      <p:sp>
+        <p:nvSpPr>
+          <p:cNvPr id="4" name="슬라이드 이미지 개체 틀 3"/>
+          <p:cNvSpPr>
+            <a:spLocks noGrp="1" noRot="1" noChangeAspect="1"/>
+          </p:cNvSpPr>
+          <p:nvPr>
+            <p:ph type="sldImg" idx="2"/>
+          </p:nvPr>
+        </p:nvSpPr>
+        <p:spPr>
+          <a:xfrm>
+            <a:off x="685800" y="1143000"/>
+            <a:ext cx="5486400" cy="3086100"/>
+          </a:xfrm>
+          <a:prstGeom prst="rect">
+            <a:avLst/>
+          </a:prstGeom>
+          <a:noFill/>
+          <a:ln w="12700">
+            <a:solidFill>
+              <a:prstClr val="black"/>
+            </a:solidFill>
+          </a:ln>
+        </p:spPr>
+        <p:txBody>
+          <a:bodyPr vert="horz" lIns="91440" tIns="45720" rIns="91440" bIns="45720" rtlCol="0" anchor="ctr"/>
+          <a:lstStyle/>
+          <a:p>
+            <a:endParaRPr lang="ko-KR" altLang="en-US"/>
+          </a:p>
+        </p:txBody>
+      </p:sp>
+      <p:sp>
+        <p:nvSpPr>
+          <p:cNvPr id="5" name="슬라이드 노트 개체 틀 4"/>
+          <p:cNvSpPr>
+            <a:spLocks noGrp="1"/>
+          </p:cNvSpPr>
+          <p:nvPr>
+            <p:ph type="body" sz="quarter" idx="3"/>
+          </p:nvPr>
+        </p:nvSpPr>
+        <p:spPr>
+          <a:xfrm>
+            <a:off x="685800" y="4400550"/>
+            <a:ext cx="5486400" cy="3600450"/>
+          </a:xfrm>
+          <a:prstGeom prst="rect">
+            <a:avLst/>
+          </a:prstGeom>
+        </p:spPr>
+        <p:txBody>
+          <a:bodyPr vert="horz" lIns="91440" tIns="45720" rIns="91440" bIns="45720" rtlCol="0"/>
+          <a:lstStyle/>
+          <a:p>
+            <a:pPr lvl="0"/>
+            <a:r>
+              <a:rPr lang="ko-KR" altLang="en-US"/>
+              <a:t>마스터 텍스트 스타일을 편집하려면 클릭</a:t>
+            </a:r>
+          </a:p>
+          <a:p>
+            <a:pPr lvl="1"/>
+            <a:r>
+              <a:rPr lang="ko-KR" altLang="en-US"/>
+              <a:t>두 번째 수준</a:t>
+            </a:r>
+          </a:p>
+          <a:p>
+            <a:pPr lvl="2"/>
+            <a:r>
+              <a:rPr lang="ko-KR" altLang="en-US"/>
+              <a:t>세 번째 수준</a:t>
+            </a:r>
+          </a:p>
+          <a:p>
+            <a:pPr lvl="3"/>
+            <a:r>
+              <a:rPr lang="ko-KR" altLang="en-US"/>
+              <a:t>네 번째 수준</a:t>
+            </a:r>
+          </a:p>
+          <a:p>
+            <a:pPr lvl="4"/>
+            <a:r>
+              <a:rPr lang="ko-KR" altLang="en-US"/>
+              <a:t>다섯 번째 수준</a:t>
+            </a:r>
+          </a:p>
+        </p:txBody>
+      </p:sp>
+      <p:sp>
+        <p:nvSpPr>
+          <p:cNvPr id="6" name="바닥글 개체 틀 5"/>
+          <p:cNvSpPr>
+            <a:spLocks noGrp="1"/>
+          </p:cNvSpPr>
+          <p:nvPr>
+            <p:ph type="ftr" sz="quarter" idx="4"/>
+          </p:nvPr>
+        </p:nvSpPr>
+        <p:spPr>
+          <a:xfrm>
+            <a:off x="0" y="8685213"/>
+            <a:ext cx="2971800" cy="458787"/>
+          </a:xfrm>
+          <a:prstGeom prst="rect">
+            <a:avLst/>
+          </a:prstGeom>
+        </p:spPr>
+        <p:txBody>
+          <a:bodyPr vert="horz" lIns="91440" tIns="45720" rIns="91440" bIns="45720" rtlCol="0" anchor="b"/>
+          <a:lstStyle>
+            <a:lvl1pPr algn="l">
+              <a:defRPr sz="1200"/>
+            </a:lvl1pPr>
+          </a:lstStyle>
+          <a:p>
+            <a:endParaRPr lang="ko-KR" altLang="en-US"/>
+          </a:p>
+        </p:txBody>
+      </p:sp>
+      <p:sp>
+        <p:nvSpPr>
+          <p:cNvPr id="7" name="슬라이드 번호 개체 틀 6"/>
+          <p:cNvSpPr>
+            <a:spLocks noGrp="1"/>
+          </p:cNvSpPr>
+          <p:nvPr>
+            <p:ph type="sldNum" sz="quarter" idx="5"/>
+          </p:nvPr>
+        </p:nvSpPr>
+        <p:spPr>
+          <a:xfrm>
+            <a:off x="3884613" y="8685213"/>
+            <a:ext cx="2971800" cy="458787"/>
+          </a:xfrm>
+          <a:prstGeom prst="rect">
+            <a:avLst/>
+          </a:prstGeom>
+        </p:spPr>
+        <p:txBody>
+          <a:bodyPr vert="horz" lIns="91440" tIns="45720" rIns="91440" bIns="45720" rtlCol="0" anchor="b"/>
+          <a:lstStyle>
+            <a:lvl1pPr algn="r">
+              <a:defRPr sz="1200"/>
+            </a:lvl1pPr>
+          </a:lstStyle>
+          <a:p>
+            <a:fld id="{B57F3C56-390D-4D4F-9A22-C88DDD539A31}" type="slidenum">
+              <a:rPr lang="ko-KR" altLang="en-US" smtClean="0"/>
+              <a:t>‹#›</a:t>
+            </a:fld>
+            <a:endParaRPr lang="ko-KR" altLang="en-US"/>
+          </a:p>
+        </p:txBody>
+      </p:sp>
+    </p:spTree>
+    <p:extLst>
+      <p:ext uri="{BB962C8B-B14F-4D97-AF65-F5344CB8AC3E}">
+        <p14:creationId xmlns:p14="http://schemas.microsoft.com/office/powerpoint/2010/main" val="3654363844"/>
+      </p:ext>
+    </p:extLst>
+  </p:cSld>
+  <p:clrMap bg1="lt1" tx1="dk1" bg2="lt2" tx2="dk2" accent1="accent1" accent2="accent2" accent3="accent3" accent4="accent4" accent5="accent5" accent6="accent6" hlink="hlink" folHlink="folHlink"/>
+  <p:notesStyle>
+    <a:lvl1pPr marL="0" algn="l" defTabSz="914400" rtl="0" eaLnBrk="1" latinLnBrk="1" hangingPunct="1">
+      <a:defRPr sz="1200" kern="1200">
+        <a:solidFill>
+          <a:schemeClr val="tx1"/>
+        </a:solidFill>
+        <a:latin typeface="+mn-lt"/>
+        <a:ea typeface="+mn-ea"/>
+        <a:cs typeface="+mn-cs"/>
+      </a:defRPr>
+    </a:lvl1pPr>
+    <a:lvl2pPr marL="457200" algn="l" defTabSz="914400" rtl="0" eaLnBrk="1" latinLnBrk="1" hangingPunct="1">
+      <a:defRPr sz="1200" kern="1200">
+        <a:solidFill>
+          <a:schemeClr val="tx1"/>
+        </a:solidFill>
+        <a:latin typeface="+mn-lt"/>
+        <a:ea typeface="+mn-ea"/>
+        <a:cs typeface="+mn-cs"/>
+      </a:defRPr>
+    </a:lvl2pPr>
+    <a:lvl3pPr marL="914400" algn="l" defTabSz="914400" rtl="0" eaLnBrk="1" latinLnBrk="1" hangingPunct="1">
+      <a:defRPr sz="1200" kern="1200">
+        <a:solidFill>
+          <a:schemeClr val="tx1"/>
+        </a:solidFill>
+        <a:latin typeface="+mn-lt"/>
+        <a:ea typeface="+mn-ea"/>
+        <a:cs typeface="+mn-cs"/>
+      </a:defRPr>
+    </a:lvl3pPr>
+    <a:lvl4pPr marL="1371600" algn="l" defTabSz="914400" rtl="0" eaLnBrk="1" latinLnBrk="1" hangingPunct="1">
+      <a:defRPr sz="1200" kern="1200">
+        <a:solidFill>
+          <a:schemeClr val="tx1"/>
+        </a:solidFill>
+        <a:latin typeface="+mn-lt"/>
+        <a:ea typeface="+mn-ea"/>
+        <a:cs typeface="+mn-cs"/>
+      </a:defRPr>
+    </a:lvl4pPr>
+    <a:lvl5pPr marL="1828800" algn="l" defTabSz="914400" rtl="0" eaLnBrk="1" latinLnBrk="1" hangingPunct="1">
+      <a:defRPr sz="1200" kern="1200">
+        <a:solidFill>
+          <a:schemeClr val="tx1"/>
+        </a:solidFill>
+        <a:latin typeface="+mn-lt"/>
+        <a:ea typeface="+mn-ea"/>
+        <a:cs typeface="+mn-cs"/>
+      </a:defRPr>
+    </a:lvl5pPr>
+    <a:lvl6pPr marL="2286000" algn="l" defTabSz="914400" rtl="0" eaLnBrk="1" latinLnBrk="1" hangingPunct="1">
+      <a:defRPr sz="1200" kern="1200">
+        <a:solidFill>
+          <a:schemeClr val="tx1"/>
+        </a:solidFill>
+        <a:latin typeface="+mn-lt"/>
+        <a:ea typeface="+mn-ea"/>
+        <a:cs typeface="+mn-cs"/>
+      </a:defRPr>
+    </a:lvl6pPr>
+    <a:lvl7pPr marL="2743200" algn="l" defTabSz="914400" rtl="0" eaLnBrk="1" latinLnBrk="1" hangingPunct="1">
+      <a:defRPr sz="1200" kern="1200">
+        <a:solidFill>
+          <a:schemeClr val="tx1"/>
+        </a:solidFill>
+        <a:latin typeface="+mn-lt"/>
+        <a:ea typeface="+mn-ea"/>
+        <a:cs typeface="+mn-cs"/>
+      </a:defRPr>
+    </a:lvl7pPr>
+    <a:lvl8pPr marL="3200400" algn="l" defTabSz="914400" rtl="0" eaLnBrk="1" latinLnBrk="1" hangingPunct="1">
+      <a:defRPr sz="1200" kern="1200">
+        <a:solidFill>
+          <a:schemeClr val="tx1"/>
+        </a:solidFill>
+        <a:latin typeface="+mn-lt"/>
+        <a:ea typeface="+mn-ea"/>
+        <a:cs typeface="+mn-cs"/>
+      </a:defRPr>
+    </a:lvl8pPr>
+    <a:lvl9pPr marL="3657600" algn="l" defTabSz="914400" rtl="0" eaLnBrk="1" latinLnBrk="1" hangingPunct="1">
+      <a:defRPr sz="1200" kern="1200">
+        <a:solidFill>
+          <a:schemeClr val="tx1"/>
+        </a:solidFill>
+        <a:latin typeface="+mn-lt"/>
+        <a:ea typeface="+mn-ea"/>
+        <a:cs typeface="+mn-cs"/>
+      </a:defRPr>
+    </a:lvl9pPr>
+  </p:notesStyle>
+</p:notesMaster>
+</file>
+
+<file path=ppt/notesSlides/notesSlide1.xml><?xml version="1.0" encoding="utf-8"?>
+<p:notes xmlns:a="http://schemas.openxmlformats.org/drawingml/2006/main" xmlns:r="http://schemas.openxmlformats.org/officeDocument/2006/relationships" xmlns:p="http://schemas.openxmlformats.org/presentationml/2006/main">
+  <p:cSld>
+    <p:spTree>
+      <p:nvGrpSpPr>
+        <p:cNvPr id="1" name=""/>
+        <p:cNvGrpSpPr/>
+        <p:nvPr/>
+      </p:nvGrpSpPr>
+      <p:grpSpPr>
+        <a:xfrm>
+          <a:off x="0" y="0"/>
+          <a:ext cx="0" cy="0"/>
+          <a:chOff x="0" y="0"/>
+          <a:chExt cx="0" cy="0"/>
+        </a:xfrm>
+      </p:grpSpPr>
+      <p:sp>
+        <p:nvSpPr>
+          <p:cNvPr id="2" name="슬라이드 이미지 개체 틀 1"/>
+          <p:cNvSpPr>
+            <a:spLocks noGrp="1" noRot="1" noChangeAspect="1"/>
+          </p:cNvSpPr>
+          <p:nvPr>
+            <p:ph type="sldImg"/>
+          </p:nvPr>
+        </p:nvSpPr>
+        <p:spPr/>
+      </p:sp>
+      <p:sp>
+        <p:nvSpPr>
+          <p:cNvPr id="3" name="슬라이드 노트 개체 틀 2"/>
+          <p:cNvSpPr>
+            <a:spLocks noGrp="1"/>
+          </p:cNvSpPr>
+          <p:nvPr>
+            <p:ph type="body" idx="1"/>
+          </p:nvPr>
+        </p:nvSpPr>
+        <p:spPr/>
+        <p:txBody>
+          <a:bodyPr/>
+          <a:lstStyle/>
+          <a:p>
+            <a:endParaRPr lang="ko-KR" altLang="en-US" dirty="0"/>
+          </a:p>
+        </p:txBody>
+      </p:sp>
+      <p:sp>
+        <p:nvSpPr>
+          <p:cNvPr id="4" name="슬라이드 번호 개체 틀 3"/>
+          <p:cNvSpPr>
+            <a:spLocks noGrp="1"/>
+          </p:cNvSpPr>
+          <p:nvPr>
+            <p:ph type="sldNum" sz="quarter" idx="5"/>
+          </p:nvPr>
+        </p:nvSpPr>
+        <p:spPr/>
+        <p:txBody>
+          <a:bodyPr/>
+          <a:lstStyle/>
+          <a:p>
+            <a:fld id="{B57F3C56-390D-4D4F-9A22-C88DDD539A31}" type="slidenum">
+              <a:rPr lang="ko-KR" altLang="en-US" smtClean="0"/>
+              <a:t>5</a:t>
+            </a:fld>
+            <a:endParaRPr lang="ko-KR" altLang="en-US"/>
+          </a:p>
+        </p:txBody>
+      </p:sp>
+    </p:spTree>
+    <p:extLst>
+      <p:ext uri="{BB962C8B-B14F-4D97-AF65-F5344CB8AC3E}">
+        <p14:creationId xmlns:p14="http://schemas.microsoft.com/office/powerpoint/2010/main" val="4249131234"/>
+      </p:ext>
+    </p:extLst>
+  </p:cSld>
+  <p:clrMapOvr>
+    <a:masterClrMapping/>
+  </p:clrMapOvr>
+</p:notes>
 </file>
 
 <file path=ppt/slideLayouts/slideLayout1.xml><?xml version="1.0" encoding="utf-8"?>
@@ -3552,7 +3988,7 @@
             <a:pPr lvl="1"/>
             <a:r>
               <a:rPr lang="en-US" altLang="ko-KR" dirty="0"/>
-              <a:t>Database (PostgreSQL Server 17)</a:t>
+              <a:t>Database (PostgreSQL Server 17 / SQLite)</a:t>
             </a:r>
           </a:p>
           <a:p>
@@ -4690,7 +5126,7 @@
         </p:blipFill>
         <p:spPr>
           <a:xfrm>
-            <a:off x="10224096" y="4467419"/>
+            <a:off x="9731343" y="3797280"/>
             <a:ext cx="1659743" cy="1133332"/>
           </a:xfrm>
           <a:prstGeom prst="rect">
@@ -4715,8 +5151,8 @@
         </p:nvCxnSpPr>
         <p:spPr>
           <a:xfrm>
-            <a:off x="8941482" y="3416532"/>
-            <a:ext cx="1282614" cy="1617553"/>
+            <a:off x="8913303" y="3435805"/>
+            <a:ext cx="818040" cy="928141"/>
           </a:xfrm>
           <a:prstGeom prst="straightConnector1">
             <a:avLst/>
@@ -4771,6 +5207,49 @@
           </a:prstGeom>
         </p:spPr>
       </p:pic>
+      <p:cxnSp>
+        <p:nvCxnSpPr>
+          <p:cNvPr id="3" name="Straight Arrow Connector 17">
+            <a:extLst>
+              <a:ext uri="{FF2B5EF4-FFF2-40B4-BE49-F238E27FC236}">
+                <a16:creationId xmlns:a16="http://schemas.microsoft.com/office/drawing/2014/main" id="{AB17D9E1-167A-0D84-A731-6E8D51E06973}"/>
+              </a:ext>
+            </a:extLst>
+          </p:cNvPr>
+          <p:cNvCxnSpPr>
+            <a:cxnSpLocks/>
+            <a:endCxn id="94" idx="0"/>
+          </p:cNvCxnSpPr>
+          <p:nvPr/>
+        </p:nvCxnSpPr>
+        <p:spPr>
+          <a:xfrm>
+            <a:off x="7953371" y="5538930"/>
+            <a:ext cx="2326" cy="549180"/>
+          </a:xfrm>
+          <a:prstGeom prst="straightConnector1">
+            <a:avLst/>
+          </a:prstGeom>
+          <a:ln>
+            <a:headEnd type="triangle"/>
+            <a:tailEnd type="triangle"/>
+          </a:ln>
+        </p:spPr>
+        <p:style>
+          <a:lnRef idx="2">
+            <a:schemeClr val="accent1"/>
+          </a:lnRef>
+          <a:fillRef idx="0">
+            <a:schemeClr val="accent1"/>
+          </a:fillRef>
+          <a:effectRef idx="1">
+            <a:schemeClr val="accent1"/>
+          </a:effectRef>
+          <a:fontRef idx="minor">
+            <a:schemeClr val="tx1"/>
+          </a:fontRef>
+        </p:style>
+      </p:cxnSp>
     </p:spTree>
     <p:extLst>
       <p:ext uri="{BB962C8B-B14F-4D97-AF65-F5344CB8AC3E}">
@@ -4855,7 +5334,7 @@
         </p:blipFill>
         <p:spPr>
           <a:xfrm>
-            <a:off x="1444126" y="1809749"/>
+            <a:off x="4637300" y="1545702"/>
             <a:ext cx="1959474" cy="1209675"/>
           </a:xfrm>
           <a:prstGeom prst="rect">
@@ -4901,10 +5380,10 @@
       </p:pic>
       <p:sp>
         <p:nvSpPr>
-          <p:cNvPr id="28" name="TextBox 27">
-            <a:extLst>
-              <a:ext uri="{FF2B5EF4-FFF2-40B4-BE49-F238E27FC236}">
-                <a16:creationId xmlns:a16="http://schemas.microsoft.com/office/drawing/2014/main" id="{D3AB7AD3-266A-D9D1-6C18-5B085640D9CA}"/>
+          <p:cNvPr id="29" name="TextBox 28">
+            <a:extLst>
+              <a:ext uri="{FF2B5EF4-FFF2-40B4-BE49-F238E27FC236}">
+                <a16:creationId xmlns:a16="http://schemas.microsoft.com/office/drawing/2014/main" id="{4B49A17F-3F2C-554E-81F0-47939AE51904}"/>
               </a:ext>
             </a:extLst>
           </p:cNvPr>
@@ -4913,8 +5392,8 @@
         </p:nvSpPr>
         <p:spPr>
           <a:xfrm>
-            <a:off x="615950" y="3429000"/>
-            <a:ext cx="2972289" cy="1477328"/>
+            <a:off x="8270726" y="3577845"/>
+            <a:ext cx="1978427" cy="1323439"/>
           </a:xfrm>
           <a:prstGeom prst="rect">
             <a:avLst/>
@@ -4928,85 +5407,130 @@
           <a:lstStyle/>
           <a:p>
             <a:r>
-              <a:rPr lang="en-US" altLang="ko-KR" dirty="0"/>
-              <a:t>IRI:</a:t>
-            </a:r>
-            <a:r>
-              <a:rPr lang="ko-KR" altLang="en-US" dirty="0"/>
+              <a:rPr lang="en-US" altLang="ko-KR" sz="1600" dirty="0">
+                <a:solidFill>
+                  <a:schemeClr val="tx1">
+                    <a:lumMod val="50000"/>
+                    <a:lumOff val="50000"/>
+                  </a:schemeClr>
+                </a:solidFill>
+              </a:rPr>
+              <a:t>IRI: …</a:t>
+            </a:r>
+            <a:r>
+              <a:rPr lang="en-US" altLang="ko-KR" sz="1600" b="1" dirty="0">
+                <a:solidFill>
+                  <a:schemeClr val="accent2">
+                    <a:lumMod val="75000"/>
+                  </a:schemeClr>
+                </a:solidFill>
+              </a:rPr>
+              <a:t>cyl1507</a:t>
+            </a:r>
+          </a:p>
+          <a:p>
+            <a:r>
+              <a:rPr lang="ko-KR" altLang="en-US" sz="1600" dirty="0"/>
+              <a:t>구동 축 </a:t>
+            </a:r>
+            <a:r>
+              <a:rPr lang="en-US" altLang="ko-KR" sz="1600" dirty="0"/>
+              <a:t>: 1</a:t>
+            </a:r>
+            <a:r>
+              <a:rPr lang="ko-KR" altLang="en-US" sz="1600" dirty="0"/>
+              <a:t>개 </a:t>
+            </a:r>
+            <a:r>
+              <a:rPr lang="en-US" altLang="ko-KR" sz="1600" dirty="0"/>
+              <a:t>(j0)</a:t>
+            </a:r>
+          </a:p>
+          <a:p>
+            <a:r>
+              <a:rPr lang="ko-KR" altLang="en-US" sz="1600" dirty="0"/>
+              <a:t>모션</a:t>
+            </a:r>
+            <a:r>
+              <a:rPr lang="en-US" altLang="ko-KR" sz="1600" dirty="0"/>
+              <a:t>:</a:t>
+            </a:r>
+          </a:p>
+          <a:p>
+            <a:r>
+              <a:rPr lang="ko-KR" altLang="en-US" sz="1600" dirty="0"/>
+              <a:t>  전진</a:t>
+            </a:r>
+            <a:r>
+              <a:rPr lang="en-US" altLang="ko-KR" sz="1600" dirty="0"/>
+              <a:t>: </a:t>
+            </a:r>
+            <a:r>
+              <a:rPr lang="en-US" altLang="ko-KR" sz="1200" b="1" dirty="0">
+                <a:solidFill>
+                  <a:srgbClr val="FF0000"/>
+                </a:solidFill>
+              </a:rPr>
+              <a:t>j0</a:t>
+            </a:r>
+            <a:r>
+              <a:rPr lang="en-US" altLang="ko-KR" sz="1600" dirty="0"/>
+              <a:t> : 0 </a:t>
+            </a:r>
+            <a:r>
+              <a:rPr lang="en-US" altLang="ko-KR" sz="1600" dirty="0">
+                <a:sym typeface="Wingdings" panose="05000000000000000000" pitchFamily="2" charset="2"/>
+              </a:rPr>
+              <a:t> 100</a:t>
+            </a:r>
+          </a:p>
+          <a:p>
+            <a:r>
+              <a:rPr lang="en-US" altLang="ko-KR" sz="1600" dirty="0">
+                <a:sym typeface="Wingdings" panose="05000000000000000000" pitchFamily="2" charset="2"/>
+              </a:rPr>
               <a:t> </a:t>
             </a:r>
             <a:r>
-              <a:rPr lang="en-US" altLang="ko-KR" dirty="0"/>
-              <a:t>…cyl1507</a:t>
-            </a:r>
-          </a:p>
-          <a:p>
-            <a:r>
-              <a:rPr lang="en-US" altLang="ko-KR" dirty="0" err="1"/>
-              <a:t>TypeGuid</a:t>
-            </a:r>
-            <a:endParaRPr lang="en-US" altLang="ko-KR" dirty="0"/>
-          </a:p>
-          <a:p>
-            <a:r>
-              <a:rPr lang="ko-KR" altLang="en-US" dirty="0"/>
-              <a:t>구동 축 </a:t>
-            </a:r>
-            <a:r>
-              <a:rPr lang="en-US" altLang="ko-KR" dirty="0"/>
-              <a:t>: 1</a:t>
-            </a:r>
-            <a:r>
-              <a:rPr lang="ko-KR" altLang="en-US" dirty="0"/>
-              <a:t>개 </a:t>
-            </a:r>
-            <a:r>
-              <a:rPr lang="en-US" altLang="ko-KR" dirty="0"/>
-              <a:t>(j0)</a:t>
-            </a:r>
-          </a:p>
-          <a:p>
-            <a:r>
-              <a:rPr lang="ko-KR" altLang="en-US" dirty="0"/>
-              <a:t>신호</a:t>
-            </a:r>
-            <a:r>
-              <a:rPr lang="en-US" altLang="ko-KR" dirty="0"/>
+              <a:rPr lang="en-US" altLang="ko-KR" sz="1600" dirty="0"/>
+              <a:t> </a:t>
+            </a:r>
+            <a:r>
+              <a:rPr lang="ko-KR" altLang="en-US" sz="1600" dirty="0"/>
+              <a:t>후진</a:t>
+            </a:r>
+            <a:r>
+              <a:rPr lang="en-US" altLang="ko-KR" sz="1600" dirty="0"/>
               <a:t>: </a:t>
             </a:r>
             <a:r>
-              <a:rPr lang="ko-KR" altLang="en-US" dirty="0"/>
-              <a:t>전</a:t>
-            </a:r>
-            <a:r>
-              <a:rPr lang="en-US" altLang="ko-KR" dirty="0"/>
-              <a:t>/</a:t>
-            </a:r>
-            <a:r>
-              <a:rPr lang="ko-KR" altLang="en-US" dirty="0"/>
-              <a:t>후진 각각 입</a:t>
-            </a:r>
-            <a:r>
-              <a:rPr lang="en-US" altLang="ko-KR" dirty="0"/>
-              <a:t>/</a:t>
-            </a:r>
-            <a:r>
-              <a:rPr lang="ko-KR" altLang="en-US" dirty="0"/>
-              <a:t>출력</a:t>
-            </a:r>
-            <a:endParaRPr lang="en-US" altLang="ko-KR" dirty="0"/>
-          </a:p>
-          <a:p>
-            <a:endParaRPr lang="ko-KR" altLang="en-US" dirty="0"/>
-          </a:p>
-        </p:txBody>
-      </p:sp>
-      <p:sp>
-        <p:nvSpPr>
-          <p:cNvPr id="29" name="TextBox 28">
-            <a:extLst>
-              <a:ext uri="{FF2B5EF4-FFF2-40B4-BE49-F238E27FC236}">
-                <a16:creationId xmlns:a16="http://schemas.microsoft.com/office/drawing/2014/main" id="{4B49A17F-3F2C-554E-81F0-47939AE51904}"/>
+              <a:rPr lang="en-US" altLang="ko-KR" sz="1200" b="1" dirty="0">
+                <a:solidFill>
+                  <a:srgbClr val="FF0000"/>
+                </a:solidFill>
+              </a:rPr>
+              <a:t>j0</a:t>
+            </a:r>
+            <a:r>
+              <a:rPr lang="en-US" altLang="ko-KR" sz="1600" dirty="0"/>
+              <a:t> : 100 </a:t>
+            </a:r>
+            <a:r>
+              <a:rPr lang="en-US" altLang="ko-KR" sz="1600" dirty="0">
+                <a:sym typeface="Wingdings" panose="05000000000000000000" pitchFamily="2" charset="2"/>
+              </a:rPr>
+              <a:t> 0</a:t>
+            </a:r>
+            <a:endParaRPr lang="ko-KR" altLang="en-US" sz="1600" dirty="0"/>
+          </a:p>
+        </p:txBody>
+      </p:sp>
+      <p:sp>
+        <p:nvSpPr>
+          <p:cNvPr id="31" name="TextBox 30">
+            <a:extLst>
+              <a:ext uri="{FF2B5EF4-FFF2-40B4-BE49-F238E27FC236}">
+                <a16:creationId xmlns:a16="http://schemas.microsoft.com/office/drawing/2014/main" id="{98C85EBF-D611-9E45-41A9-8EFD66A23F71}"/>
               </a:ext>
             </a:extLst>
           </p:cNvPr>
@@ -5015,8 +5539,8 @@
         </p:nvSpPr>
         <p:spPr>
           <a:xfrm>
-            <a:off x="8191500" y="3270250"/>
-            <a:ext cx="1965153" cy="1200329"/>
+            <a:off x="4761509" y="2842968"/>
+            <a:ext cx="2356549" cy="1077218"/>
           </a:xfrm>
           <a:prstGeom prst="rect">
             <a:avLst/>
@@ -5024,79 +5548,61 @@
           <a:noFill/>
         </p:spPr>
         <p:txBody>
-          <a:bodyPr wrap="none" rtlCol="0">
+          <a:bodyPr wrap="square">
             <a:spAutoFit/>
           </a:bodyPr>
           <a:lstStyle/>
           <a:p>
             <a:r>
-              <a:rPr lang="en-US" altLang="ko-KR" dirty="0"/>
-              <a:t>IRI:</a:t>
-            </a:r>
-            <a:r>
-              <a:rPr lang="ko-KR" altLang="en-US" dirty="0"/>
-              <a:t> </a:t>
-            </a:r>
-            <a:r>
-              <a:rPr lang="en-US" altLang="ko-KR" dirty="0"/>
-              <a:t>…cyl1507</a:t>
-            </a:r>
-          </a:p>
-          <a:p>
-            <a:r>
-              <a:rPr lang="en-US" altLang="ko-KR" dirty="0" err="1"/>
-              <a:t>TypeGuid</a:t>
-            </a:r>
-            <a:endParaRPr lang="en-US" altLang="ko-KR" dirty="0"/>
-          </a:p>
-          <a:p>
-            <a:r>
-              <a:rPr lang="ko-KR" altLang="en-US" dirty="0"/>
-              <a:t>구동 축 </a:t>
-            </a:r>
-            <a:r>
-              <a:rPr lang="en-US" altLang="ko-KR" dirty="0"/>
-              <a:t>: 1</a:t>
-            </a:r>
-            <a:r>
-              <a:rPr lang="ko-KR" altLang="en-US" dirty="0"/>
-              <a:t>개 </a:t>
-            </a:r>
-            <a:r>
-              <a:rPr lang="en-US" altLang="ko-KR" dirty="0"/>
-              <a:t>(j0)</a:t>
-            </a:r>
-          </a:p>
-          <a:p>
-            <a:r>
-              <a:rPr lang="ko-KR" altLang="en-US" dirty="0"/>
-              <a:t>모션 </a:t>
-            </a:r>
-            <a:r>
-              <a:rPr lang="en-US" altLang="ko-KR" dirty="0"/>
-              <a:t>: </a:t>
-            </a:r>
-            <a:r>
-              <a:rPr lang="ko-KR" altLang="en-US" dirty="0"/>
-              <a:t>전진</a:t>
-            </a:r>
-            <a:r>
-              <a:rPr lang="en-US" altLang="ko-KR" dirty="0"/>
-              <a:t>, </a:t>
-            </a:r>
-            <a:r>
-              <a:rPr lang="ko-KR" altLang="en-US" dirty="0"/>
-              <a:t>후진</a:t>
-            </a:r>
-          </a:p>
-        </p:txBody>
-      </p:sp>
-      <p:sp>
-        <p:nvSpPr>
-          <p:cNvPr id="31" name="TextBox 30">
-            <a:extLst>
-              <a:ext uri="{FF2B5EF4-FFF2-40B4-BE49-F238E27FC236}">
-                <a16:creationId xmlns:a16="http://schemas.microsoft.com/office/drawing/2014/main" id="{98C85EBF-D611-9E45-41A9-8EFD66A23F71}"/>
+              <a:rPr lang="en-US" altLang="ko-KR" sz="1600" dirty="0"/>
+              <a:t>IRI: …</a:t>
+            </a:r>
+            <a:r>
+              <a:rPr lang="en-US" altLang="ko-KR" sz="1600" b="1" dirty="0">
+                <a:solidFill>
+                  <a:schemeClr val="accent2">
+                    <a:lumMod val="75000"/>
+                  </a:schemeClr>
+                </a:solidFill>
+              </a:rPr>
+              <a:t>cyl1507</a:t>
+            </a:r>
+          </a:p>
+          <a:p>
+            <a:r>
+              <a:rPr lang="en-US" altLang="ko-KR" sz="1600" dirty="0"/>
+              <a:t>Type : …</a:t>
+            </a:r>
+          </a:p>
+          <a:p>
+            <a:r>
+              <a:rPr lang="ko-KR" altLang="en-US" sz="1600" dirty="0"/>
+              <a:t>전기 특성</a:t>
+            </a:r>
+            <a:r>
+              <a:rPr lang="en-US" altLang="ko-KR" sz="1600" dirty="0"/>
+              <a:t>: …</a:t>
+            </a:r>
+          </a:p>
+          <a:p>
+            <a:r>
+              <a:rPr lang="ko-KR" altLang="en-US" sz="1600" dirty="0"/>
+              <a:t>물리 특성</a:t>
+            </a:r>
+            <a:r>
+              <a:rPr lang="en-US" altLang="ko-KR" sz="1600" dirty="0"/>
+              <a:t>: …</a:t>
+            </a:r>
+            <a:endParaRPr lang="ko-KR" altLang="en-US" sz="1600" dirty="0"/>
+          </a:p>
+        </p:txBody>
+      </p:sp>
+      <p:sp>
+        <p:nvSpPr>
+          <p:cNvPr id="9" name="TextBox 8">
+            <a:extLst>
+              <a:ext uri="{FF2B5EF4-FFF2-40B4-BE49-F238E27FC236}">
+                <a16:creationId xmlns:a16="http://schemas.microsoft.com/office/drawing/2014/main" id="{750FF68D-9E71-7897-F46E-40B2817C945B}"/>
               </a:ext>
             </a:extLst>
           </p:cNvPr>
@@ -5105,8 +5611,8 @@
         </p:nvSpPr>
         <p:spPr>
           <a:xfrm>
-            <a:off x="4893165" y="3095765"/>
-            <a:ext cx="3048000" cy="369332"/>
+            <a:off x="1355027" y="3167583"/>
+            <a:ext cx="1016370" cy="338554"/>
           </a:xfrm>
           <a:prstGeom prst="rect">
             <a:avLst/>
@@ -5120,8 +5626,617 @@
           <a:lstStyle/>
           <a:p>
             <a:r>
+              <a:rPr lang="en-US" altLang="ko-KR" sz="1600" b="1" dirty="0">
+                <a:solidFill>
+                  <a:schemeClr val="tx2">
+                    <a:lumMod val="75000"/>
+                    <a:lumOff val="25000"/>
+                  </a:schemeClr>
+                </a:solidFill>
+                <a:highlight>
+                  <a:srgbClr val="FFFF00"/>
+                </a:highlight>
+              </a:rPr>
+              <a:t>DS </a:t>
+            </a:r>
+            <a:r>
+              <a:rPr lang="ko-KR" altLang="en-US" sz="1600" b="1" dirty="0">
+                <a:solidFill>
+                  <a:schemeClr val="tx2">
+                    <a:lumMod val="75000"/>
+                    <a:lumOff val="25000"/>
+                  </a:schemeClr>
+                </a:solidFill>
+                <a:highlight>
+                  <a:srgbClr val="FFFF00"/>
+                </a:highlight>
+              </a:rPr>
+              <a:t>관점</a:t>
+            </a:r>
+          </a:p>
+        </p:txBody>
+      </p:sp>
+      <p:pic>
+        <p:nvPicPr>
+          <p:cNvPr id="11" name="그림 10">
+            <a:extLst>
+              <a:ext uri="{FF2B5EF4-FFF2-40B4-BE49-F238E27FC236}">
+                <a16:creationId xmlns:a16="http://schemas.microsoft.com/office/drawing/2014/main" id="{5EA854BE-3398-90EB-0B55-DF183389B146}"/>
+              </a:ext>
+            </a:extLst>
+          </p:cNvPr>
+          <p:cNvPicPr>
+            <a:picLocks noChangeAspect="1"/>
+          </p:cNvPicPr>
+          <p:nvPr/>
+        </p:nvPicPr>
+        <p:blipFill>
+          <a:blip r:embed="rId4"/>
+          <a:stretch>
+            <a:fillRect/>
+          </a:stretch>
+        </p:blipFill>
+        <p:spPr>
+          <a:xfrm>
+            <a:off x="776288" y="4263749"/>
+            <a:ext cx="2663096" cy="648006"/>
+          </a:xfrm>
+          <a:prstGeom prst="rect">
+            <a:avLst/>
+          </a:prstGeom>
+        </p:spPr>
+      </p:pic>
+      <p:sp>
+        <p:nvSpPr>
+          <p:cNvPr id="12" name="TextBox 11">
+            <a:extLst>
+              <a:ext uri="{FF2B5EF4-FFF2-40B4-BE49-F238E27FC236}">
+                <a16:creationId xmlns:a16="http://schemas.microsoft.com/office/drawing/2014/main" id="{63D88AB9-DA05-8A2B-D89C-EEF8E2B6E645}"/>
+              </a:ext>
+            </a:extLst>
+          </p:cNvPr>
+          <p:cNvSpPr txBox="1"/>
+          <p:nvPr/>
+        </p:nvSpPr>
+        <p:spPr>
+          <a:xfrm>
+            <a:off x="681758" y="3577846"/>
+            <a:ext cx="2661306" cy="584775"/>
+          </a:xfrm>
+          <a:prstGeom prst="rect">
+            <a:avLst/>
+          </a:prstGeom>
+          <a:noFill/>
+        </p:spPr>
+        <p:txBody>
+          <a:bodyPr wrap="none" rtlCol="0">
+            <a:spAutoFit/>
+          </a:bodyPr>
+          <a:lstStyle/>
+          <a:p>
+            <a:r>
+              <a:rPr lang="ko-KR" altLang="en-US" sz="1600" dirty="0"/>
+              <a:t>신호</a:t>
+            </a:r>
+            <a:r>
+              <a:rPr lang="en-US" altLang="ko-KR" sz="1600" dirty="0"/>
+              <a:t>: </a:t>
+            </a:r>
+            <a:r>
+              <a:rPr lang="ko-KR" altLang="en-US" sz="1600" dirty="0"/>
+              <a:t>전</a:t>
+            </a:r>
+            <a:r>
+              <a:rPr lang="en-US" altLang="ko-KR" sz="1600" dirty="0"/>
+              <a:t>/</a:t>
+            </a:r>
+            <a:r>
+              <a:rPr lang="ko-KR" altLang="en-US" sz="1600" dirty="0"/>
+              <a:t>후진 각각 입</a:t>
+            </a:r>
+            <a:r>
+              <a:rPr lang="en-US" altLang="ko-KR" sz="1600" dirty="0"/>
+              <a:t>/</a:t>
+            </a:r>
+            <a:r>
+              <a:rPr lang="ko-KR" altLang="en-US" sz="1600" dirty="0"/>
+              <a:t>출력</a:t>
+            </a:r>
+            <a:endParaRPr lang="en-US" altLang="ko-KR" sz="1600" dirty="0"/>
+          </a:p>
+          <a:p>
+            <a:r>
+              <a:rPr lang="en-US" altLang="ko-KR" sz="1600" dirty="0">
+                <a:solidFill>
+                  <a:schemeClr val="tx1">
+                    <a:lumMod val="50000"/>
+                    <a:lumOff val="50000"/>
+                  </a:schemeClr>
+                </a:solidFill>
+              </a:rPr>
+              <a:t>IRI: …</a:t>
+            </a:r>
+            <a:r>
+              <a:rPr lang="en-US" altLang="ko-KR" sz="1600" b="1" dirty="0">
+                <a:solidFill>
+                  <a:schemeClr val="accent2">
+                    <a:lumMod val="75000"/>
+                  </a:schemeClr>
+                </a:solidFill>
+              </a:rPr>
+              <a:t>cyl1507</a:t>
+            </a:r>
+          </a:p>
+        </p:txBody>
+      </p:sp>
+      <p:sp>
+        <p:nvSpPr>
+          <p:cNvPr id="13" name="TextBox 12">
+            <a:extLst>
+              <a:ext uri="{FF2B5EF4-FFF2-40B4-BE49-F238E27FC236}">
+                <a16:creationId xmlns:a16="http://schemas.microsoft.com/office/drawing/2014/main" id="{94534BF0-76FF-7A1F-78B1-393FEFC8B2B7}"/>
+              </a:ext>
+            </a:extLst>
+          </p:cNvPr>
+          <p:cNvSpPr txBox="1"/>
+          <p:nvPr/>
+        </p:nvSpPr>
+        <p:spPr>
+          <a:xfrm>
+            <a:off x="8649146" y="3102971"/>
+            <a:ext cx="1016370" cy="338554"/>
+          </a:xfrm>
+          <a:prstGeom prst="rect">
+            <a:avLst/>
+          </a:prstGeom>
+          <a:noFill/>
+        </p:spPr>
+        <p:txBody>
+          <a:bodyPr wrap="square">
+            <a:spAutoFit/>
+          </a:bodyPr>
+          <a:lstStyle/>
+          <a:p>
+            <a:r>
+              <a:rPr lang="en-US" altLang="ko-KR" sz="1600" b="1" dirty="0">
+                <a:solidFill>
+                  <a:schemeClr val="tx2">
+                    <a:lumMod val="75000"/>
+                    <a:lumOff val="25000"/>
+                  </a:schemeClr>
+                </a:solidFill>
+                <a:highlight>
+                  <a:srgbClr val="FFFF00"/>
+                </a:highlight>
+              </a:rPr>
+              <a:t>3D </a:t>
+            </a:r>
+            <a:r>
+              <a:rPr lang="ko-KR" altLang="en-US" sz="1600" b="1" dirty="0">
+                <a:solidFill>
+                  <a:schemeClr val="tx2">
+                    <a:lumMod val="75000"/>
+                    <a:lumOff val="25000"/>
+                  </a:schemeClr>
+                </a:solidFill>
+                <a:highlight>
+                  <a:srgbClr val="FFFF00"/>
+                </a:highlight>
+              </a:rPr>
+              <a:t>관점</a:t>
+            </a:r>
+          </a:p>
+        </p:txBody>
+      </p:sp>
+      <p:sp>
+        <p:nvSpPr>
+          <p:cNvPr id="14" name="TextBox 13">
+            <a:extLst>
+              <a:ext uri="{FF2B5EF4-FFF2-40B4-BE49-F238E27FC236}">
+                <a16:creationId xmlns:a16="http://schemas.microsoft.com/office/drawing/2014/main" id="{A928960B-8743-3217-BDF8-743F64A611E3}"/>
+              </a:ext>
+            </a:extLst>
+          </p:cNvPr>
+          <p:cNvSpPr txBox="1"/>
+          <p:nvPr/>
+        </p:nvSpPr>
+        <p:spPr>
+          <a:xfrm>
+            <a:off x="4127383" y="1570289"/>
+            <a:ext cx="1582723" cy="338554"/>
+          </a:xfrm>
+          <a:prstGeom prst="rect">
+            <a:avLst/>
+          </a:prstGeom>
+          <a:noFill/>
+        </p:spPr>
+        <p:txBody>
+          <a:bodyPr wrap="square">
+            <a:spAutoFit/>
+          </a:bodyPr>
+          <a:lstStyle/>
+          <a:p>
+            <a:r>
+              <a:rPr lang="ko-KR" altLang="en-US" sz="1600" b="1" dirty="0">
+                <a:solidFill>
+                  <a:schemeClr val="tx2">
+                    <a:lumMod val="75000"/>
+                    <a:lumOff val="25000"/>
+                  </a:schemeClr>
+                </a:solidFill>
+                <a:highlight>
+                  <a:srgbClr val="FFFF00"/>
+                </a:highlight>
+              </a:rPr>
+              <a:t>실물 </a:t>
+            </a:r>
+            <a:r>
+              <a:rPr lang="en-US" altLang="ko-KR" sz="1600" b="1" dirty="0">
+                <a:solidFill>
+                  <a:schemeClr val="tx2">
+                    <a:lumMod val="75000"/>
+                    <a:lumOff val="25000"/>
+                  </a:schemeClr>
+                </a:solidFill>
+                <a:highlight>
+                  <a:srgbClr val="FFFF00"/>
+                </a:highlight>
+              </a:rPr>
+              <a:t>cylinder</a:t>
+            </a:r>
+            <a:endParaRPr lang="ko-KR" altLang="en-US" sz="1600" b="1" dirty="0">
+              <a:solidFill>
+                <a:schemeClr val="tx2">
+                  <a:lumMod val="75000"/>
+                  <a:lumOff val="25000"/>
+                </a:schemeClr>
+              </a:solidFill>
+              <a:highlight>
+                <a:srgbClr val="FFFF00"/>
+              </a:highlight>
+            </a:endParaRPr>
+          </a:p>
+        </p:txBody>
+      </p:sp>
+      <p:sp>
+        <p:nvSpPr>
+          <p:cNvPr id="15" name="화살표: 오른쪽 14">
+            <a:extLst>
+              <a:ext uri="{FF2B5EF4-FFF2-40B4-BE49-F238E27FC236}">
+                <a16:creationId xmlns:a16="http://schemas.microsoft.com/office/drawing/2014/main" id="{7FB4BFE0-527D-180E-F897-8F4065B41306}"/>
+              </a:ext>
+            </a:extLst>
+          </p:cNvPr>
+          <p:cNvSpPr/>
+          <p:nvPr/>
+        </p:nvSpPr>
+        <p:spPr>
+          <a:xfrm rot="9050886">
+            <a:off x="3790201" y="2780822"/>
+            <a:ext cx="715684" cy="338554"/>
+          </a:xfrm>
+          <a:prstGeom prst="rightArrow">
+            <a:avLst/>
+          </a:prstGeom>
+        </p:spPr>
+        <p:style>
+          <a:lnRef idx="2">
+            <a:schemeClr val="accent1">
+              <a:shade val="15000"/>
+            </a:schemeClr>
+          </a:lnRef>
+          <a:fillRef idx="1">
+            <a:schemeClr val="accent1"/>
+          </a:fillRef>
+          <a:effectRef idx="0">
+            <a:schemeClr val="accent1"/>
+          </a:effectRef>
+          <a:fontRef idx="minor">
+            <a:schemeClr val="lt1"/>
+          </a:fontRef>
+        </p:style>
+        <p:txBody>
+          <a:bodyPr rtlCol="0" anchor="ctr"/>
+          <a:lstStyle/>
+          <a:p>
+            <a:pPr algn="ctr"/>
+            <a:endParaRPr lang="ko-KR" altLang="en-US"/>
+          </a:p>
+        </p:txBody>
+      </p:sp>
+      <p:sp>
+        <p:nvSpPr>
+          <p:cNvPr id="16" name="화살표: 오른쪽 15">
+            <a:extLst>
+              <a:ext uri="{FF2B5EF4-FFF2-40B4-BE49-F238E27FC236}">
+                <a16:creationId xmlns:a16="http://schemas.microsoft.com/office/drawing/2014/main" id="{DF314529-EE61-4FDB-E12C-AC7793381F5B}"/>
+              </a:ext>
+            </a:extLst>
+          </p:cNvPr>
+          <p:cNvSpPr/>
+          <p:nvPr/>
+        </p:nvSpPr>
+        <p:spPr>
+          <a:xfrm rot="1370613">
+            <a:off x="6978709" y="2480616"/>
+            <a:ext cx="715684" cy="338554"/>
+          </a:xfrm>
+          <a:prstGeom prst="rightArrow">
+            <a:avLst/>
+          </a:prstGeom>
+        </p:spPr>
+        <p:style>
+          <a:lnRef idx="2">
+            <a:schemeClr val="accent1">
+              <a:shade val="15000"/>
+            </a:schemeClr>
+          </a:lnRef>
+          <a:fillRef idx="1">
+            <a:schemeClr val="accent1"/>
+          </a:fillRef>
+          <a:effectRef idx="0">
+            <a:schemeClr val="accent1"/>
+          </a:effectRef>
+          <a:fontRef idx="minor">
+            <a:schemeClr val="lt1"/>
+          </a:fontRef>
+        </p:style>
+        <p:txBody>
+          <a:bodyPr rtlCol="0" anchor="ctr"/>
+          <a:lstStyle/>
+          <a:p>
+            <a:pPr algn="ctr"/>
+            <a:endParaRPr lang="ko-KR" altLang="en-US"/>
+          </a:p>
+        </p:txBody>
+      </p:sp>
+      <p:pic>
+        <p:nvPicPr>
+          <p:cNvPr id="17" name="Picture 24" descr="A logo of a company&#10;&#10;AI-generated content may be incorrect.">
+            <a:extLst>
+              <a:ext uri="{FF2B5EF4-FFF2-40B4-BE49-F238E27FC236}">
+                <a16:creationId xmlns:a16="http://schemas.microsoft.com/office/drawing/2014/main" id="{98445965-6389-4B1F-7616-19D8EB51DA9A}"/>
+              </a:ext>
+            </a:extLst>
+          </p:cNvPr>
+          <p:cNvPicPr>
+            <a:picLocks noChangeAspect="1"/>
+          </p:cNvPicPr>
+          <p:nvPr/>
+        </p:nvPicPr>
+        <p:blipFill>
+          <a:blip r:embed="rId5">
+            <a:extLst>
+              <a:ext uri="{28A0092B-C50C-407E-A947-70E740481C1C}">
+                <a14:useLocalDpi xmlns:a14="http://schemas.microsoft.com/office/drawing/2010/main" val="0"/>
+              </a:ext>
+            </a:extLst>
+          </a:blip>
+          <a:stretch>
+            <a:fillRect/>
+          </a:stretch>
+        </p:blipFill>
+        <p:spPr>
+          <a:xfrm>
+            <a:off x="4724930" y="4826937"/>
+            <a:ext cx="2429706" cy="826731"/>
+          </a:xfrm>
+          <a:prstGeom prst="rect">
+            <a:avLst/>
+          </a:prstGeom>
+        </p:spPr>
+      </p:pic>
+      <p:sp>
+        <p:nvSpPr>
+          <p:cNvPr id="18" name="화살표: 오른쪽 17">
+            <a:extLst>
+              <a:ext uri="{FF2B5EF4-FFF2-40B4-BE49-F238E27FC236}">
+                <a16:creationId xmlns:a16="http://schemas.microsoft.com/office/drawing/2014/main" id="{DFD7ADFD-197D-0DB8-D5D0-73829CF0C46F}"/>
+              </a:ext>
+            </a:extLst>
+          </p:cNvPr>
+          <p:cNvSpPr/>
+          <p:nvPr/>
+        </p:nvSpPr>
+        <p:spPr>
+          <a:xfrm rot="1211917">
+            <a:off x="3691179" y="4767776"/>
+            <a:ext cx="715684" cy="338554"/>
+          </a:xfrm>
+          <a:prstGeom prst="rightArrow">
+            <a:avLst/>
+          </a:prstGeom>
+        </p:spPr>
+        <p:style>
+          <a:lnRef idx="2">
+            <a:schemeClr val="accent1">
+              <a:shade val="15000"/>
+            </a:schemeClr>
+          </a:lnRef>
+          <a:fillRef idx="1">
+            <a:schemeClr val="accent1"/>
+          </a:fillRef>
+          <a:effectRef idx="0">
+            <a:schemeClr val="accent1"/>
+          </a:effectRef>
+          <a:fontRef idx="minor">
+            <a:schemeClr val="lt1"/>
+          </a:fontRef>
+        </p:style>
+        <p:txBody>
+          <a:bodyPr rtlCol="0" anchor="ctr"/>
+          <a:lstStyle/>
+          <a:p>
+            <a:pPr algn="ctr"/>
+            <a:endParaRPr lang="ko-KR" altLang="en-US"/>
+          </a:p>
+        </p:txBody>
+      </p:sp>
+      <p:sp>
+        <p:nvSpPr>
+          <p:cNvPr id="19" name="화살표: 오른쪽 18">
+            <a:extLst>
+              <a:ext uri="{FF2B5EF4-FFF2-40B4-BE49-F238E27FC236}">
+                <a16:creationId xmlns:a16="http://schemas.microsoft.com/office/drawing/2014/main" id="{6A55FA6B-FB92-DD32-9C99-0EC9B4CAF0E1}"/>
+              </a:ext>
+            </a:extLst>
+          </p:cNvPr>
+          <p:cNvSpPr/>
+          <p:nvPr/>
+        </p:nvSpPr>
+        <p:spPr>
+          <a:xfrm rot="19956442">
+            <a:off x="7354839" y="4570961"/>
+            <a:ext cx="715684" cy="338554"/>
+          </a:xfrm>
+          <a:prstGeom prst="rightArrow">
+            <a:avLst/>
+          </a:prstGeom>
+        </p:spPr>
+        <p:style>
+          <a:lnRef idx="2">
+            <a:schemeClr val="accent1">
+              <a:shade val="15000"/>
+            </a:schemeClr>
+          </a:lnRef>
+          <a:fillRef idx="1">
+            <a:schemeClr val="accent1"/>
+          </a:fillRef>
+          <a:effectRef idx="0">
+            <a:schemeClr val="accent1"/>
+          </a:effectRef>
+          <a:fontRef idx="minor">
+            <a:schemeClr val="lt1"/>
+          </a:fontRef>
+        </p:style>
+        <p:txBody>
+          <a:bodyPr rtlCol="0" anchor="ctr"/>
+          <a:lstStyle/>
+          <a:p>
+            <a:pPr algn="ctr"/>
+            <a:endParaRPr lang="ko-KR" altLang="en-US"/>
+          </a:p>
+        </p:txBody>
+      </p:sp>
+      <p:sp>
+        <p:nvSpPr>
+          <p:cNvPr id="20" name="TextBox 19">
+            <a:extLst>
+              <a:ext uri="{FF2B5EF4-FFF2-40B4-BE49-F238E27FC236}">
+                <a16:creationId xmlns:a16="http://schemas.microsoft.com/office/drawing/2014/main" id="{3DAE7895-14B2-A165-8899-0C1FA9213F6E}"/>
+              </a:ext>
+            </a:extLst>
+          </p:cNvPr>
+          <p:cNvSpPr txBox="1"/>
+          <p:nvPr/>
+        </p:nvSpPr>
+        <p:spPr>
+          <a:xfrm>
+            <a:off x="621691" y="5055173"/>
+            <a:ext cx="1963999" cy="800219"/>
+          </a:xfrm>
+          <a:prstGeom prst="rect">
+            <a:avLst/>
+          </a:prstGeom>
+          <a:noFill/>
+        </p:spPr>
+        <p:txBody>
+          <a:bodyPr wrap="none" rtlCol="0">
+            <a:spAutoFit/>
+          </a:bodyPr>
+          <a:lstStyle/>
+          <a:p>
+            <a:r>
+              <a:rPr lang="ko-KR" altLang="en-US" dirty="0"/>
+              <a:t>추가 모델링 정보</a:t>
+            </a:r>
+            <a:endParaRPr lang="en-US" altLang="ko-KR" dirty="0"/>
+          </a:p>
+          <a:p>
+            <a:r>
+              <a:rPr lang="en-US" altLang="ko-KR" sz="1400" dirty="0"/>
+              <a:t>ADVANCE:</a:t>
+            </a:r>
+            <a:r>
+              <a:rPr lang="ko-KR" altLang="en-US" sz="1400" dirty="0"/>
+              <a:t> </a:t>
+            </a:r>
+            <a:r>
+              <a:rPr lang="en-US" altLang="ko-KR" sz="1400" b="1" dirty="0">
+                <a:solidFill>
+                  <a:srgbClr val="FF0000"/>
+                </a:solidFill>
+              </a:rPr>
+              <a:t>j0</a:t>
+            </a:r>
+          </a:p>
+          <a:p>
+            <a:r>
+              <a:rPr lang="en-US" altLang="ko-KR" sz="1400" dirty="0"/>
+              <a:t>RETURN:</a:t>
+            </a:r>
+            <a:r>
+              <a:rPr lang="ko-KR" altLang="en-US" sz="1400" dirty="0"/>
+              <a:t> </a:t>
+            </a:r>
+            <a:r>
+              <a:rPr lang="en-US" altLang="ko-KR" sz="1400" b="1" dirty="0">
+                <a:solidFill>
+                  <a:srgbClr val="FF0000"/>
+                </a:solidFill>
+              </a:rPr>
+              <a:t>j0</a:t>
+            </a:r>
+          </a:p>
+        </p:txBody>
+      </p:sp>
+      <p:sp>
+        <p:nvSpPr>
+          <p:cNvPr id="21" name="TextBox 20">
+            <a:extLst>
+              <a:ext uri="{FF2B5EF4-FFF2-40B4-BE49-F238E27FC236}">
+                <a16:creationId xmlns:a16="http://schemas.microsoft.com/office/drawing/2014/main" id="{5E8CD389-DB7A-920A-4421-7C3942EB95E0}"/>
+              </a:ext>
+            </a:extLst>
+          </p:cNvPr>
+          <p:cNvSpPr txBox="1"/>
+          <p:nvPr/>
+        </p:nvSpPr>
+        <p:spPr>
+          <a:xfrm>
+            <a:off x="3995821" y="6232525"/>
+            <a:ext cx="3887924" cy="369332"/>
+          </a:xfrm>
+          <a:prstGeom prst="rect">
+            <a:avLst/>
+          </a:prstGeom>
+          <a:noFill/>
+        </p:spPr>
+        <p:txBody>
+          <a:bodyPr wrap="none" rtlCol="0">
+            <a:spAutoFit/>
+          </a:bodyPr>
+          <a:lstStyle/>
+          <a:p>
+            <a:r>
               <a:rPr lang="en-US" altLang="ko-KR" dirty="0"/>
-              <a:t>…cyl1507/j0</a:t>
+              <a:t>Issue: joint </a:t>
+            </a:r>
+            <a:r>
+              <a:rPr lang="ko-KR" altLang="en-US" dirty="0"/>
+              <a:t>의 </a:t>
+            </a:r>
+            <a:r>
+              <a:rPr lang="en-US" altLang="ko-KR" dirty="0"/>
+              <a:t>value </a:t>
+            </a:r>
+            <a:r>
+              <a:rPr lang="ko-KR" altLang="en-US" dirty="0"/>
+              <a:t>지정은 어디서</a:t>
+            </a:r>
+            <a:r>
+              <a:rPr lang="en-US" altLang="ko-KR" dirty="0"/>
+              <a:t>?</a:t>
             </a:r>
             <a:endParaRPr lang="ko-KR" altLang="en-US" dirty="0"/>
           </a:p>
@@ -5204,7 +6319,7 @@
           <p:nvPr/>
         </p:nvPicPr>
         <p:blipFill>
-          <a:blip r:embed="rId2">
+          <a:blip r:embed="rId3">
             <a:extLst>
               <a:ext uri="{28A0092B-C50C-407E-A947-70E740481C1C}">
                 <a14:useLocalDpi xmlns:a14="http://schemas.microsoft.com/office/drawing/2010/main" val="0"/>
@@ -5217,7 +6332,7 @@
         </p:blipFill>
         <p:spPr>
           <a:xfrm>
-            <a:off x="2124688" y="3372292"/>
+            <a:off x="1731616" y="2468910"/>
             <a:ext cx="2429706" cy="826731"/>
           </a:xfrm>
           <a:prstGeom prst="rect">
@@ -5240,7 +6355,7 @@
           <p:nvPr/>
         </p:nvPicPr>
         <p:blipFill>
-          <a:blip r:embed="rId3"/>
+          <a:blip r:embed="rId4"/>
           <a:stretch>
             <a:fillRect/>
           </a:stretch>
@@ -5271,9 +6386,9 @@
           <p:nvPr/>
         </p:nvCxnSpPr>
         <p:spPr>
-          <a:xfrm flipV="1">
-            <a:off x="4651781" y="2805626"/>
-            <a:ext cx="980918" cy="980031"/>
+          <a:xfrm>
+            <a:off x="4341303" y="2805626"/>
+            <a:ext cx="1291396" cy="0"/>
           </a:xfrm>
           <a:prstGeom prst="straightConnector1">
             <a:avLst/>
@@ -5445,6 +6560,140 @@
               <a:t> </a:t>
             </a:r>
             <a:endParaRPr lang="ko-KR" altLang="en-US" sz="1600" dirty="0"/>
+          </a:p>
+        </p:txBody>
+      </p:sp>
+      <p:sp>
+        <p:nvSpPr>
+          <p:cNvPr id="7" name="TextBox 6">
+            <a:extLst>
+              <a:ext uri="{FF2B5EF4-FFF2-40B4-BE49-F238E27FC236}">
+                <a16:creationId xmlns:a16="http://schemas.microsoft.com/office/drawing/2014/main" id="{63E73781-2169-E4A6-9DAE-9476ECA5A857}"/>
+              </a:ext>
+            </a:extLst>
+          </p:cNvPr>
+          <p:cNvSpPr txBox="1"/>
+          <p:nvPr/>
+        </p:nvSpPr>
+        <p:spPr>
+          <a:xfrm>
+            <a:off x="453005" y="4052374"/>
+            <a:ext cx="6023252" cy="1169551"/>
+          </a:xfrm>
+          <a:prstGeom prst="rect">
+            <a:avLst/>
+          </a:prstGeom>
+          <a:noFill/>
+        </p:spPr>
+        <p:txBody>
+          <a:bodyPr wrap="none" rtlCol="0">
+            <a:spAutoFit/>
+          </a:bodyPr>
+          <a:lstStyle/>
+          <a:p>
+            <a:r>
+              <a:rPr lang="en-US" altLang="ko-KR" sz="1400" dirty="0"/>
+              <a:t>Pull </a:t>
+            </a:r>
+            <a:r>
+              <a:rPr lang="ko-KR" altLang="en-US" sz="1400" dirty="0"/>
+              <a:t>방식</a:t>
+            </a:r>
+            <a:r>
+              <a:rPr lang="en-US" altLang="ko-KR" sz="1400" dirty="0"/>
+              <a:t>:</a:t>
+            </a:r>
+          </a:p>
+          <a:p>
+            <a:pPr marL="285750" indent="-285750">
+              <a:buFontTx/>
+              <a:buChar char="-"/>
+            </a:pPr>
+            <a:r>
+              <a:rPr lang="en-US" altLang="ko-KR" sz="1400" dirty="0"/>
+              <a:t>3D </a:t>
+            </a:r>
+            <a:r>
+              <a:rPr lang="ko-KR" altLang="en-US" sz="1400" dirty="0"/>
+              <a:t>최초 </a:t>
+            </a:r>
+            <a:r>
+              <a:rPr lang="en-US" altLang="ko-KR" sz="1400" dirty="0"/>
+              <a:t>load </a:t>
+            </a:r>
+            <a:r>
+              <a:rPr lang="ko-KR" altLang="en-US" sz="1400" dirty="0"/>
+              <a:t>시에 한꺼번에 모든 </a:t>
+            </a:r>
+            <a:r>
+              <a:rPr lang="en-US" altLang="ko-KR" sz="1400" dirty="0"/>
+              <a:t>device joint </a:t>
+            </a:r>
+            <a:r>
+              <a:rPr lang="ko-KR" altLang="en-US" sz="1400" dirty="0"/>
+              <a:t>의 현재 상태 </a:t>
+            </a:r>
+            <a:r>
+              <a:rPr lang="en-US" altLang="ko-KR" sz="1400" dirty="0"/>
+              <a:t>query </a:t>
+            </a:r>
+            <a:r>
+              <a:rPr lang="ko-KR" altLang="en-US" sz="1400" dirty="0"/>
+              <a:t>용</a:t>
+            </a:r>
+            <a:endParaRPr lang="en-US" altLang="ko-KR" sz="1400" dirty="0"/>
+          </a:p>
+          <a:p>
+            <a:endParaRPr lang="en-US" altLang="ko-KR" sz="1400" dirty="0"/>
+          </a:p>
+          <a:p>
+            <a:r>
+              <a:rPr lang="en-US" altLang="ko-KR" sz="1400" dirty="0"/>
+              <a:t>Push </a:t>
+            </a:r>
+            <a:r>
+              <a:rPr lang="ko-KR" altLang="en-US" sz="1400" dirty="0"/>
+              <a:t>방식</a:t>
+            </a:r>
+            <a:r>
+              <a:rPr lang="en-US" altLang="ko-KR" sz="1400" dirty="0"/>
+              <a:t>:</a:t>
+            </a:r>
+          </a:p>
+          <a:p>
+            <a:pPr marL="285750" indent="-285750">
+              <a:buFontTx/>
+              <a:buChar char="-"/>
+            </a:pPr>
+            <a:r>
+              <a:rPr lang="en-US" altLang="ko-KR" sz="1400" dirty="0"/>
+              <a:t>Runtime </a:t>
+            </a:r>
+            <a:r>
+              <a:rPr lang="ko-KR" altLang="en-US" sz="1400" dirty="0"/>
+              <a:t>구동 중에 </a:t>
+            </a:r>
+            <a:r>
+              <a:rPr lang="en-US" altLang="ko-KR" sz="1400" dirty="0"/>
+              <a:t>event </a:t>
+            </a:r>
+            <a:r>
+              <a:rPr lang="ko-KR" altLang="en-US" sz="1400" dirty="0"/>
+              <a:t>구독 </a:t>
+            </a:r>
+            <a:r>
+              <a:rPr lang="en-US" altLang="ko-KR" sz="1400" dirty="0"/>
+              <a:t>(pub/sub </a:t>
+            </a:r>
+            <a:r>
+              <a:rPr lang="ko-KR" altLang="en-US" sz="1400" dirty="0"/>
+              <a:t>방식</a:t>
+            </a:r>
+            <a:r>
+              <a:rPr lang="en-US" altLang="ko-KR" sz="1400" dirty="0"/>
+              <a:t>)</a:t>
+            </a:r>
+            <a:endParaRPr lang="ko-KR" altLang="en-US" sz="1400" dirty="0"/>
           </a:p>
         </p:txBody>
       </p:sp>
@@ -5774,4 +7023,319 @@
     </a:ext>
   </a:extLst>
 </a:theme>
+</file>
+
+<file path=ppt/theme/theme2.xml><?xml version="1.0" encoding="utf-8"?>
+<a:theme xmlns:a="http://schemas.openxmlformats.org/drawingml/2006/main" name="Office 테마">
+  <a:themeElements>
+    <a:clrScheme name="Office">
+      <a:dk1>
+        <a:sysClr val="windowText" lastClr="000000"/>
+      </a:dk1>
+      <a:lt1>
+        <a:sysClr val="window" lastClr="FFFFFF"/>
+      </a:lt1>
+      <a:dk2>
+        <a:srgbClr val="0E2841"/>
+      </a:dk2>
+      <a:lt2>
+        <a:srgbClr val="E8E8E8"/>
+      </a:lt2>
+      <a:accent1>
+        <a:srgbClr val="156082"/>
+      </a:accent1>
+      <a:accent2>
+        <a:srgbClr val="E97132"/>
+      </a:accent2>
+      <a:accent3>
+        <a:srgbClr val="196B24"/>
+      </a:accent3>
+      <a:accent4>
+        <a:srgbClr val="0F9ED5"/>
+      </a:accent4>
+      <a:accent5>
+        <a:srgbClr val="A02B93"/>
+      </a:accent5>
+      <a:accent6>
+        <a:srgbClr val="4EA72E"/>
+      </a:accent6>
+      <a:hlink>
+        <a:srgbClr val="467886"/>
+      </a:hlink>
+      <a:folHlink>
+        <a:srgbClr val="96607D"/>
+      </a:folHlink>
+    </a:clrScheme>
+    <a:fontScheme name="Office">
+      <a:majorFont>
+        <a:latin typeface="맑은 고딕" panose="02110004020202020204"/>
+        <a:ea typeface=""/>
+        <a:cs typeface=""/>
+        <a:font script="Jpan" typeface="游ゴシック Light"/>
+        <a:font script="Hang" typeface="맑은 고딕"/>
+        <a:font script="Hans" typeface="等线 Light"/>
+        <a:font script="Hant" typeface="新細明體"/>
+        <a:font script="Arab" typeface="Times New Roman"/>
+        <a:font script="Hebr" typeface="Times New Roman"/>
+        <a:font script="Thai" typeface="Angsana New"/>
+        <a:font script="Ethi" typeface="Nyala"/>
+        <a:font script="Beng" typeface="Vrinda"/>
+        <a:font script="Gujr" typeface="Shruti"/>
+        <a:font script="Khmr" typeface="MoolBoran"/>
+        <a:font script="Knda" typeface="Tunga"/>
+        <a:font script="Guru" typeface="Raavi"/>
+        <a:font script="Cans" typeface="Euphemia"/>
+        <a:font script="Cher" typeface="Plantagenet Cherokee"/>
+        <a:font script="Yiii" typeface="Microsoft Yi Baiti"/>
+        <a:font script="Tibt" typeface="Microsoft Himalaya"/>
+        <a:font script="Thaa" typeface="MV Boli"/>
+        <a:font script="Deva" typeface="Mangal"/>
+        <a:font script="Telu" typeface="Gautami"/>
+        <a:font script="Taml" typeface="Latha"/>
+        <a:font script="Syrc" typeface="Estrangelo Edessa"/>
+        <a:font script="Orya" typeface="Kalinga"/>
+        <a:font script="Mlym" typeface="Kartika"/>
+        <a:font script="Laoo" typeface="DokChampa"/>
+        <a:font script="Sinh" typeface="Iskoola Pota"/>
+        <a:font script="Mong" typeface="Mongolian Baiti"/>
+        <a:font script="Viet" typeface="Times New Roman"/>
+        <a:font script="Uigh" typeface="Microsoft Uighur"/>
+        <a:font script="Geor" typeface="Sylfaen"/>
+        <a:font script="Armn" typeface="Arial"/>
+        <a:font script="Bugi" typeface="Leelawadee UI"/>
+        <a:font script="Bopo" typeface="Microsoft JhengHei"/>
+        <a:font script="Java" typeface="Javanese Text"/>
+        <a:font script="Lisu" typeface="Segoe UI"/>
+        <a:font script="Mymr" typeface="Myanmar Text"/>
+        <a:font script="Nkoo" typeface="Ebrima"/>
+        <a:font script="Olck" typeface="Nirmala UI"/>
+        <a:font script="Osma" typeface="Ebrima"/>
+        <a:font script="Phag" typeface="Phagspa"/>
+        <a:font script="Syrn" typeface="Estrangelo Edessa"/>
+        <a:font script="Syrj" typeface="Estrangelo Edessa"/>
+        <a:font script="Syre" typeface="Estrangelo Edessa"/>
+        <a:font script="Sora" typeface="Nirmala UI"/>
+        <a:font script="Tale" typeface="Microsoft Tai Le"/>
+        <a:font script="Talu" typeface="Microsoft New Tai Lue"/>
+        <a:font script="Tfng" typeface="Ebrima"/>
+      </a:majorFont>
+      <a:minorFont>
+        <a:latin typeface="맑은 고딕" panose="02110004020202020204"/>
+        <a:ea typeface=""/>
+        <a:cs typeface=""/>
+        <a:font script="Jpan" typeface="游ゴシック"/>
+        <a:font script="Hang" typeface="맑은 고딕"/>
+        <a:font script="Hans" typeface="等线"/>
+        <a:font script="Hant" typeface="新細明體"/>
+        <a:font script="Arab" typeface="Arial"/>
+        <a:font script="Hebr" typeface="Arial"/>
+        <a:font script="Thai" typeface="Cordia New"/>
+        <a:font script="Ethi" typeface="Nyala"/>
+        <a:font script="Beng" typeface="Vrinda"/>
+        <a:font script="Gujr" typeface="Shruti"/>
+        <a:font script="Khmr" typeface="DaunPenh"/>
+        <a:font script="Knda" typeface="Tunga"/>
+        <a:font script="Guru" typeface="Raavi"/>
+        <a:font script="Cans" typeface="Euphemia"/>
+        <a:font script="Cher" typeface="Plantagenet Cherokee"/>
+        <a:font script="Yiii" typeface="Microsoft Yi Baiti"/>
+        <a:font script="Tibt" typeface="Microsoft Himalaya"/>
+        <a:font script="Thaa" typeface="MV Boli"/>
+        <a:font script="Deva" typeface="Mangal"/>
+        <a:font script="Telu" typeface="Gautami"/>
+        <a:font script="Taml" typeface="Latha"/>
+        <a:font script="Syrc" typeface="Estrangelo Edessa"/>
+        <a:font script="Orya" typeface="Kalinga"/>
+        <a:font script="Mlym" typeface="Kartika"/>
+        <a:font script="Laoo" typeface="DokChampa"/>
+        <a:font script="Sinh" typeface="Iskoola Pota"/>
+        <a:font script="Mong" typeface="Mongolian Baiti"/>
+        <a:font script="Viet" typeface="Arial"/>
+        <a:font script="Uigh" typeface="Microsoft Uighur"/>
+        <a:font script="Geor" typeface="Sylfaen"/>
+        <a:font script="Armn" typeface="Arial"/>
+        <a:font script="Bugi" typeface="Leelawadee UI"/>
+        <a:font script="Bopo" typeface="Microsoft JhengHei"/>
+        <a:font script="Java" typeface="Javanese Text"/>
+        <a:font script="Lisu" typeface="Segoe UI"/>
+        <a:font script="Mymr" typeface="Myanmar Text"/>
+        <a:font script="Nkoo" typeface="Ebrima"/>
+        <a:font script="Olck" typeface="Nirmala UI"/>
+        <a:font script="Osma" typeface="Ebrima"/>
+        <a:font script="Phag" typeface="Phagspa"/>
+        <a:font script="Syrn" typeface="Estrangelo Edessa"/>
+        <a:font script="Syrj" typeface="Estrangelo Edessa"/>
+        <a:font script="Syre" typeface="Estrangelo Edessa"/>
+        <a:font script="Sora" typeface="Nirmala UI"/>
+        <a:font script="Tale" typeface="Microsoft Tai Le"/>
+        <a:font script="Talu" typeface="Microsoft New Tai Lue"/>
+        <a:font script="Tfng" typeface="Ebrima"/>
+      </a:minorFont>
+    </a:fontScheme>
+    <a:fmtScheme name="Office">
+      <a:fillStyleLst>
+        <a:solidFill>
+          <a:schemeClr val="phClr"/>
+        </a:solidFill>
+        <a:gradFill rotWithShape="1">
+          <a:gsLst>
+            <a:gs pos="0">
+              <a:schemeClr val="phClr">
+                <a:lumMod val="110000"/>
+                <a:satMod val="105000"/>
+                <a:tint val="67000"/>
+              </a:schemeClr>
+            </a:gs>
+            <a:gs pos="50000">
+              <a:schemeClr val="phClr">
+                <a:lumMod val="105000"/>
+                <a:satMod val="103000"/>
+                <a:tint val="73000"/>
+              </a:schemeClr>
+            </a:gs>
+            <a:gs pos="100000">
+              <a:schemeClr val="phClr">
+                <a:lumMod val="105000"/>
+                <a:satMod val="109000"/>
+                <a:tint val="81000"/>
+              </a:schemeClr>
+            </a:gs>
+          </a:gsLst>
+          <a:lin ang="5400000" scaled="0"/>
+        </a:gradFill>
+        <a:gradFill rotWithShape="1">
+          <a:gsLst>
+            <a:gs pos="0">
+              <a:schemeClr val="phClr">
+                <a:satMod val="103000"/>
+                <a:lumMod val="102000"/>
+                <a:tint val="94000"/>
+              </a:schemeClr>
+            </a:gs>
+            <a:gs pos="50000">
+              <a:schemeClr val="phClr">
+                <a:satMod val="110000"/>
+                <a:lumMod val="100000"/>
+                <a:shade val="100000"/>
+              </a:schemeClr>
+            </a:gs>
+            <a:gs pos="100000">
+              <a:schemeClr val="phClr">
+                <a:lumMod val="99000"/>
+                <a:satMod val="120000"/>
+                <a:shade val="78000"/>
+              </a:schemeClr>
+            </a:gs>
+          </a:gsLst>
+          <a:lin ang="5400000" scaled="0"/>
+        </a:gradFill>
+      </a:fillStyleLst>
+      <a:lnStyleLst>
+        <a:ln w="12700" cap="flat" cmpd="sng" algn="ctr">
+          <a:solidFill>
+            <a:schemeClr val="phClr"/>
+          </a:solidFill>
+          <a:prstDash val="solid"/>
+          <a:miter lim="800000"/>
+        </a:ln>
+        <a:ln w="19050" cap="flat" cmpd="sng" algn="ctr">
+          <a:solidFill>
+            <a:schemeClr val="phClr"/>
+          </a:solidFill>
+          <a:prstDash val="solid"/>
+          <a:miter lim="800000"/>
+        </a:ln>
+        <a:ln w="25400" cap="flat" cmpd="sng" algn="ctr">
+          <a:solidFill>
+            <a:schemeClr val="phClr"/>
+          </a:solidFill>
+          <a:prstDash val="solid"/>
+          <a:miter lim="800000"/>
+        </a:ln>
+      </a:lnStyleLst>
+      <a:effectStyleLst>
+        <a:effectStyle>
+          <a:effectLst/>
+        </a:effectStyle>
+        <a:effectStyle>
+          <a:effectLst/>
+        </a:effectStyle>
+        <a:effectStyle>
+          <a:effectLst>
+            <a:outerShdw blurRad="57150" dist="19050" dir="5400000" algn="ctr" rotWithShape="0">
+              <a:srgbClr val="000000">
+                <a:alpha val="63000"/>
+              </a:srgbClr>
+            </a:outerShdw>
+          </a:effectLst>
+        </a:effectStyle>
+      </a:effectStyleLst>
+      <a:bgFillStyleLst>
+        <a:solidFill>
+          <a:schemeClr val="phClr"/>
+        </a:solidFill>
+        <a:solidFill>
+          <a:schemeClr val="phClr">
+            <a:tint val="95000"/>
+            <a:satMod val="170000"/>
+          </a:schemeClr>
+        </a:solidFill>
+        <a:gradFill rotWithShape="1">
+          <a:gsLst>
+            <a:gs pos="0">
+              <a:schemeClr val="phClr">
+                <a:tint val="93000"/>
+                <a:satMod val="150000"/>
+                <a:shade val="98000"/>
+                <a:lumMod val="102000"/>
+              </a:schemeClr>
+            </a:gs>
+            <a:gs pos="50000">
+              <a:schemeClr val="phClr">
+                <a:tint val="98000"/>
+                <a:satMod val="130000"/>
+                <a:shade val="90000"/>
+                <a:lumMod val="103000"/>
+              </a:schemeClr>
+            </a:gs>
+            <a:gs pos="100000">
+              <a:schemeClr val="phClr">
+                <a:shade val="63000"/>
+                <a:satMod val="120000"/>
+              </a:schemeClr>
+            </a:gs>
+          </a:gsLst>
+          <a:lin ang="5400000" scaled="0"/>
+        </a:gradFill>
+      </a:bgFillStyleLst>
+    </a:fmtScheme>
+  </a:themeElements>
+  <a:objectDefaults>
+    <a:lnDef>
+      <a:spPr/>
+      <a:bodyPr/>
+      <a:lstStyle/>
+      <a:style>
+        <a:lnRef idx="2">
+          <a:schemeClr val="accent1"/>
+        </a:lnRef>
+        <a:fillRef idx="0">
+          <a:schemeClr val="accent1"/>
+        </a:fillRef>
+        <a:effectRef idx="1">
+          <a:schemeClr val="accent1"/>
+        </a:effectRef>
+        <a:fontRef idx="minor">
+          <a:schemeClr val="tx1"/>
+        </a:fontRef>
+      </a:style>
+    </a:lnDef>
+  </a:objectDefaults>
+  <a:extraClrSchemeLst/>
+  <a:extLst>
+    <a:ext uri="{05A4C25C-085E-4340-85A3-A5531E510DB2}">
+      <thm15:themeFamily xmlns:thm15="http://schemas.microsoft.com/office/thememl/2012/main" name="Office Theme" id="{2E142A2C-CD16-42D6-873A-C26D2A0506FA}" vid="{1BDDFF52-6CD6-40A5-AB3C-68EB2F1E4D0A}"/>
+    </a:ext>
+  </a:extLst>
+</a:theme>
 </file>